--- a/Diagram/Diagram.pptx
+++ b/Diagram/Diagram.pptx
@@ -290,7 +290,7 @@
             <a:fld id="{1D8BD707-D9CF-40AE-B4C6-C98DA3205C09}" type="datetimeFigureOut">
               <a:rPr lang="en-US" smtClean="0"/>
               <a:pPr/>
-              <a:t>07-Mar-18</a:t>
+              <a:t>04-Sep-18</a:t>
             </a:fld>
             <a:endParaRPr lang="en-US"/>
           </a:p>
@@ -457,7 +457,7 @@
             <a:fld id="{1D8BD707-D9CF-40AE-B4C6-C98DA3205C09}" type="datetimeFigureOut">
               <a:rPr lang="en-US" smtClean="0"/>
               <a:pPr/>
-              <a:t>07-Mar-18</a:t>
+              <a:t>04-Sep-18</a:t>
             </a:fld>
             <a:endParaRPr lang="en-US"/>
           </a:p>
@@ -634,7 +634,7 @@
             <a:fld id="{1D8BD707-D9CF-40AE-B4C6-C98DA3205C09}" type="datetimeFigureOut">
               <a:rPr lang="en-US" smtClean="0"/>
               <a:pPr/>
-              <a:t>07-Mar-18</a:t>
+              <a:t>04-Sep-18</a:t>
             </a:fld>
             <a:endParaRPr lang="en-US"/>
           </a:p>
@@ -801,7 +801,7 @@
             <a:fld id="{1D8BD707-D9CF-40AE-B4C6-C98DA3205C09}" type="datetimeFigureOut">
               <a:rPr lang="en-US" smtClean="0"/>
               <a:pPr/>
-              <a:t>07-Mar-18</a:t>
+              <a:t>04-Sep-18</a:t>
             </a:fld>
             <a:endParaRPr lang="en-US"/>
           </a:p>
@@ -1044,7 +1044,7 @@
             <a:fld id="{1D8BD707-D9CF-40AE-B4C6-C98DA3205C09}" type="datetimeFigureOut">
               <a:rPr lang="en-US" smtClean="0"/>
               <a:pPr/>
-              <a:t>07-Mar-18</a:t>
+              <a:t>04-Sep-18</a:t>
             </a:fld>
             <a:endParaRPr lang="en-US"/>
           </a:p>
@@ -1329,7 +1329,7 @@
             <a:fld id="{1D8BD707-D9CF-40AE-B4C6-C98DA3205C09}" type="datetimeFigureOut">
               <a:rPr lang="en-US" smtClean="0"/>
               <a:pPr/>
-              <a:t>07-Mar-18</a:t>
+              <a:t>04-Sep-18</a:t>
             </a:fld>
             <a:endParaRPr lang="en-US"/>
           </a:p>
@@ -1748,7 +1748,7 @@
             <a:fld id="{1D8BD707-D9CF-40AE-B4C6-C98DA3205C09}" type="datetimeFigureOut">
               <a:rPr lang="en-US" smtClean="0"/>
               <a:pPr/>
-              <a:t>07-Mar-18</a:t>
+              <a:t>04-Sep-18</a:t>
             </a:fld>
             <a:endParaRPr lang="en-US"/>
           </a:p>
@@ -1863,7 +1863,7 @@
             <a:fld id="{1D8BD707-D9CF-40AE-B4C6-C98DA3205C09}" type="datetimeFigureOut">
               <a:rPr lang="en-US" smtClean="0"/>
               <a:pPr/>
-              <a:t>07-Mar-18</a:t>
+              <a:t>04-Sep-18</a:t>
             </a:fld>
             <a:endParaRPr lang="en-US"/>
           </a:p>
@@ -1955,7 +1955,7 @@
             <a:fld id="{1D8BD707-D9CF-40AE-B4C6-C98DA3205C09}" type="datetimeFigureOut">
               <a:rPr lang="en-US" smtClean="0"/>
               <a:pPr/>
-              <a:t>07-Mar-18</a:t>
+              <a:t>04-Sep-18</a:t>
             </a:fld>
             <a:endParaRPr lang="en-US"/>
           </a:p>
@@ -2229,7 +2229,7 @@
             <a:fld id="{1D8BD707-D9CF-40AE-B4C6-C98DA3205C09}" type="datetimeFigureOut">
               <a:rPr lang="en-US" smtClean="0"/>
               <a:pPr/>
-              <a:t>07-Mar-18</a:t>
+              <a:t>04-Sep-18</a:t>
             </a:fld>
             <a:endParaRPr lang="en-US"/>
           </a:p>
@@ -2479,7 +2479,7 @@
             <a:fld id="{1D8BD707-D9CF-40AE-B4C6-C98DA3205C09}" type="datetimeFigureOut">
               <a:rPr lang="en-US" smtClean="0"/>
               <a:pPr/>
-              <a:t>07-Mar-18</a:t>
+              <a:t>04-Sep-18</a:t>
             </a:fld>
             <a:endParaRPr lang="en-US"/>
           </a:p>
@@ -2689,7 +2689,7 @@
             <a:fld id="{1D8BD707-D9CF-40AE-B4C6-C98DA3205C09}" type="datetimeFigureOut">
               <a:rPr lang="en-US" smtClean="0"/>
               <a:pPr/>
-              <a:t>07-Mar-18</a:t>
+              <a:t>04-Sep-18</a:t>
             </a:fld>
             <a:endParaRPr lang="en-US"/>
           </a:p>

--- a/Diagram/Diagram.pptx
+++ b/Diagram/Diagram.pptx
@@ -6,7 +6,7 @@
   </p:sldMasterIdLst>
   <p:sldIdLst>
     <p:sldId id="256" r:id="rId2"/>
-    <p:sldId id="257" r:id="rId3"/>
+    <p:sldId id="258" r:id="rId3"/>
   </p:sldIdLst>
   <p:sldSz cx="9144000" cy="6858000" type="screen4x3"/>
   <p:notesSz cx="6858000" cy="9144000"/>
@@ -105,6 +105,22 @@
       </a:defRPr>
     </a:lvl9pPr>
   </p:defaultTextStyle>
+  <p:extLst>
+    <p:ext uri="{EFAFB233-063F-42B5-8137-9DF3F51BA10A}">
+      <p15:sldGuideLst xmlns:p15="http://schemas.microsoft.com/office/powerpoint/2012/main">
+        <p15:guide id="1" orient="horz" pos="2160">
+          <p15:clr>
+            <a:srgbClr val="A4A3A4"/>
+          </p15:clr>
+        </p15:guide>
+        <p15:guide id="2" pos="2880">
+          <p15:clr>
+            <a:srgbClr val="A4A3A4"/>
+          </p15:clr>
+        </p15:guide>
+      </p15:sldGuideLst>
+    </p:ext>
+  </p:extLst>
 </p:presentation>
 </file>
 
@@ -146,10 +162,9 @@
           <a:lstStyle/>
           <a:p>
             <a:r>
-              <a:rPr lang="en-US" smtClean="0"/>
+              <a:rPr lang="en-US"/>
               <a:t>Click to edit Master title style</a:t>
             </a:r>
-            <a:endParaRPr lang="en-US"/>
           </a:p>
         </p:txBody>
       </p:sp>
@@ -265,10 +280,9 @@
           </a:lstStyle>
           <a:p>
             <a:r>
-              <a:rPr lang="en-US" smtClean="0"/>
+              <a:rPr lang="en-US"/>
               <a:t>Click to edit Master subtitle style</a:t>
             </a:r>
-            <a:endParaRPr lang="en-US"/>
           </a:p>
         </p:txBody>
       </p:sp>
@@ -290,7 +304,7 @@
             <a:fld id="{1D8BD707-D9CF-40AE-B4C6-C98DA3205C09}" type="datetimeFigureOut">
               <a:rPr lang="en-US" smtClean="0"/>
               <a:pPr/>
-              <a:t>04-Sep-18</a:t>
+              <a:t>2/17/2021</a:t>
             </a:fld>
             <a:endParaRPr lang="en-US"/>
           </a:p>
@@ -380,10 +394,9 @@
           <a:lstStyle/>
           <a:p>
             <a:r>
-              <a:rPr lang="en-US" smtClean="0"/>
+              <a:rPr lang="en-US"/>
               <a:t>Click to edit Master title style</a:t>
             </a:r>
-            <a:endParaRPr lang="en-US"/>
           </a:p>
         </p:txBody>
       </p:sp>
@@ -404,38 +417,37 @@
           <a:p>
             <a:pPr lvl="0"/>
             <a:r>
-              <a:rPr lang="en-US" smtClean="0"/>
+              <a:rPr lang="en-US"/>
               <a:t>Click to edit Master text styles</a:t>
             </a:r>
           </a:p>
           <a:p>
             <a:pPr lvl="1"/>
             <a:r>
-              <a:rPr lang="en-US" smtClean="0"/>
+              <a:rPr lang="en-US"/>
               <a:t>Second level</a:t>
             </a:r>
           </a:p>
           <a:p>
             <a:pPr lvl="2"/>
             <a:r>
-              <a:rPr lang="en-US" smtClean="0"/>
+              <a:rPr lang="en-US"/>
               <a:t>Third level</a:t>
             </a:r>
           </a:p>
           <a:p>
             <a:pPr lvl="3"/>
             <a:r>
-              <a:rPr lang="en-US" smtClean="0"/>
+              <a:rPr lang="en-US"/>
               <a:t>Fourth level</a:t>
             </a:r>
           </a:p>
           <a:p>
             <a:pPr lvl="4"/>
             <a:r>
-              <a:rPr lang="en-US" smtClean="0"/>
+              <a:rPr lang="en-US"/>
               <a:t>Fifth level</a:t>
             </a:r>
-            <a:endParaRPr lang="en-US"/>
           </a:p>
         </p:txBody>
       </p:sp>
@@ -457,7 +469,7 @@
             <a:fld id="{1D8BD707-D9CF-40AE-B4C6-C98DA3205C09}" type="datetimeFigureOut">
               <a:rPr lang="en-US" smtClean="0"/>
               <a:pPr/>
-              <a:t>04-Sep-18</a:t>
+              <a:t>2/17/2021</a:t>
             </a:fld>
             <a:endParaRPr lang="en-US"/>
           </a:p>
@@ -552,10 +564,9 @@
           <a:lstStyle/>
           <a:p>
             <a:r>
-              <a:rPr lang="en-US" smtClean="0"/>
+              <a:rPr lang="en-US"/>
               <a:t>Click to edit Master title style</a:t>
             </a:r>
-            <a:endParaRPr lang="en-US"/>
           </a:p>
         </p:txBody>
       </p:sp>
@@ -581,38 +592,37 @@
           <a:p>
             <a:pPr lvl="0"/>
             <a:r>
-              <a:rPr lang="en-US" smtClean="0"/>
+              <a:rPr lang="en-US"/>
               <a:t>Click to edit Master text styles</a:t>
             </a:r>
           </a:p>
           <a:p>
             <a:pPr lvl="1"/>
             <a:r>
-              <a:rPr lang="en-US" smtClean="0"/>
+              <a:rPr lang="en-US"/>
               <a:t>Second level</a:t>
             </a:r>
           </a:p>
           <a:p>
             <a:pPr lvl="2"/>
             <a:r>
-              <a:rPr lang="en-US" smtClean="0"/>
+              <a:rPr lang="en-US"/>
               <a:t>Third level</a:t>
             </a:r>
           </a:p>
           <a:p>
             <a:pPr lvl="3"/>
             <a:r>
-              <a:rPr lang="en-US" smtClean="0"/>
+              <a:rPr lang="en-US"/>
               <a:t>Fourth level</a:t>
             </a:r>
           </a:p>
           <a:p>
             <a:pPr lvl="4"/>
             <a:r>
-              <a:rPr lang="en-US" smtClean="0"/>
+              <a:rPr lang="en-US"/>
               <a:t>Fifth level</a:t>
             </a:r>
-            <a:endParaRPr lang="en-US"/>
           </a:p>
         </p:txBody>
       </p:sp>
@@ -634,7 +644,7 @@
             <a:fld id="{1D8BD707-D9CF-40AE-B4C6-C98DA3205C09}" type="datetimeFigureOut">
               <a:rPr lang="en-US" smtClean="0"/>
               <a:pPr/>
-              <a:t>04-Sep-18</a:t>
+              <a:t>2/17/2021</a:t>
             </a:fld>
             <a:endParaRPr lang="en-US"/>
           </a:p>
@@ -724,10 +734,9 @@
           <a:lstStyle/>
           <a:p>
             <a:r>
-              <a:rPr lang="en-US" smtClean="0"/>
+              <a:rPr lang="en-US"/>
               <a:t>Click to edit Master title style</a:t>
             </a:r>
-            <a:endParaRPr lang="en-US"/>
           </a:p>
         </p:txBody>
       </p:sp>
@@ -748,38 +757,37 @@
           <a:p>
             <a:pPr lvl="0"/>
             <a:r>
-              <a:rPr lang="en-US" smtClean="0"/>
+              <a:rPr lang="en-US"/>
               <a:t>Click to edit Master text styles</a:t>
             </a:r>
           </a:p>
           <a:p>
             <a:pPr lvl="1"/>
             <a:r>
-              <a:rPr lang="en-US" smtClean="0"/>
+              <a:rPr lang="en-US"/>
               <a:t>Second level</a:t>
             </a:r>
           </a:p>
           <a:p>
             <a:pPr lvl="2"/>
             <a:r>
-              <a:rPr lang="en-US" smtClean="0"/>
+              <a:rPr lang="en-US"/>
               <a:t>Third level</a:t>
             </a:r>
           </a:p>
           <a:p>
             <a:pPr lvl="3"/>
             <a:r>
-              <a:rPr lang="en-US" smtClean="0"/>
+              <a:rPr lang="en-US"/>
               <a:t>Fourth level</a:t>
             </a:r>
           </a:p>
           <a:p>
             <a:pPr lvl="4"/>
             <a:r>
-              <a:rPr lang="en-US" smtClean="0"/>
+              <a:rPr lang="en-US"/>
               <a:t>Fifth level</a:t>
             </a:r>
-            <a:endParaRPr lang="en-US"/>
           </a:p>
         </p:txBody>
       </p:sp>
@@ -801,7 +809,7 @@
             <a:fld id="{1D8BD707-D9CF-40AE-B4C6-C98DA3205C09}" type="datetimeFigureOut">
               <a:rPr lang="en-US" smtClean="0"/>
               <a:pPr/>
-              <a:t>04-Sep-18</a:t>
+              <a:t>2/17/2021</a:t>
             </a:fld>
             <a:endParaRPr lang="en-US"/>
           </a:p>
@@ -900,10 +908,9 @@
           </a:lstStyle>
           <a:p>
             <a:r>
-              <a:rPr lang="en-US" smtClean="0"/>
+              <a:rPr lang="en-US"/>
               <a:t>Click to edit Master title style</a:t>
             </a:r>
-            <a:endParaRPr lang="en-US"/>
           </a:p>
         </p:txBody>
       </p:sp>
@@ -1020,7 +1027,7 @@
           <a:p>
             <a:pPr lvl="0"/>
             <a:r>
-              <a:rPr lang="en-US" smtClean="0"/>
+              <a:rPr lang="en-US"/>
               <a:t>Click to edit Master text styles</a:t>
             </a:r>
           </a:p>
@@ -1044,7 +1051,7 @@
             <a:fld id="{1D8BD707-D9CF-40AE-B4C6-C98DA3205C09}" type="datetimeFigureOut">
               <a:rPr lang="en-US" smtClean="0"/>
               <a:pPr/>
-              <a:t>04-Sep-18</a:t>
+              <a:t>2/17/2021</a:t>
             </a:fld>
             <a:endParaRPr lang="en-US"/>
           </a:p>
@@ -1134,10 +1141,9 @@
           <a:lstStyle/>
           <a:p>
             <a:r>
-              <a:rPr lang="en-US" smtClean="0"/>
+              <a:rPr lang="en-US"/>
               <a:t>Click to edit Master title style</a:t>
             </a:r>
-            <a:endParaRPr lang="en-US"/>
           </a:p>
         </p:txBody>
       </p:sp>
@@ -1191,38 +1197,37 @@
           <a:p>
             <a:pPr lvl="0"/>
             <a:r>
-              <a:rPr lang="en-US" smtClean="0"/>
+              <a:rPr lang="en-US"/>
               <a:t>Click to edit Master text styles</a:t>
             </a:r>
           </a:p>
           <a:p>
             <a:pPr lvl="1"/>
             <a:r>
-              <a:rPr lang="en-US" smtClean="0"/>
+              <a:rPr lang="en-US"/>
               <a:t>Second level</a:t>
             </a:r>
           </a:p>
           <a:p>
             <a:pPr lvl="2"/>
             <a:r>
-              <a:rPr lang="en-US" smtClean="0"/>
+              <a:rPr lang="en-US"/>
               <a:t>Third level</a:t>
             </a:r>
           </a:p>
           <a:p>
             <a:pPr lvl="3"/>
             <a:r>
-              <a:rPr lang="en-US" smtClean="0"/>
+              <a:rPr lang="en-US"/>
               <a:t>Fourth level</a:t>
             </a:r>
           </a:p>
           <a:p>
             <a:pPr lvl="4"/>
             <a:r>
-              <a:rPr lang="en-US" smtClean="0"/>
+              <a:rPr lang="en-US"/>
               <a:t>Fifth level</a:t>
             </a:r>
-            <a:endParaRPr lang="en-US"/>
           </a:p>
         </p:txBody>
       </p:sp>
@@ -1276,38 +1281,37 @@
           <a:p>
             <a:pPr lvl="0"/>
             <a:r>
-              <a:rPr lang="en-US" smtClean="0"/>
+              <a:rPr lang="en-US"/>
               <a:t>Click to edit Master text styles</a:t>
             </a:r>
           </a:p>
           <a:p>
             <a:pPr lvl="1"/>
             <a:r>
-              <a:rPr lang="en-US" smtClean="0"/>
+              <a:rPr lang="en-US"/>
               <a:t>Second level</a:t>
             </a:r>
           </a:p>
           <a:p>
             <a:pPr lvl="2"/>
             <a:r>
-              <a:rPr lang="en-US" smtClean="0"/>
+              <a:rPr lang="en-US"/>
               <a:t>Third level</a:t>
             </a:r>
           </a:p>
           <a:p>
             <a:pPr lvl="3"/>
             <a:r>
-              <a:rPr lang="en-US" smtClean="0"/>
+              <a:rPr lang="en-US"/>
               <a:t>Fourth level</a:t>
             </a:r>
           </a:p>
           <a:p>
             <a:pPr lvl="4"/>
             <a:r>
-              <a:rPr lang="en-US" smtClean="0"/>
+              <a:rPr lang="en-US"/>
               <a:t>Fifth level</a:t>
             </a:r>
-            <a:endParaRPr lang="en-US"/>
           </a:p>
         </p:txBody>
       </p:sp>
@@ -1329,7 +1333,7 @@
             <a:fld id="{1D8BD707-D9CF-40AE-B4C6-C98DA3205C09}" type="datetimeFigureOut">
               <a:rPr lang="en-US" smtClean="0"/>
               <a:pPr/>
-              <a:t>04-Sep-18</a:t>
+              <a:t>2/17/2021</a:t>
             </a:fld>
             <a:endParaRPr lang="en-US"/>
           </a:p>
@@ -1423,10 +1427,9 @@
           </a:lstStyle>
           <a:p>
             <a:r>
-              <a:rPr lang="en-US" smtClean="0"/>
+              <a:rPr lang="en-US"/>
               <a:t>Click to edit Master title style</a:t>
             </a:r>
-            <a:endParaRPr lang="en-US"/>
           </a:p>
         </p:txBody>
       </p:sp>
@@ -1489,7 +1492,7 @@
           <a:p>
             <a:pPr lvl="0"/>
             <a:r>
-              <a:rPr lang="en-US" smtClean="0"/>
+              <a:rPr lang="en-US"/>
               <a:t>Click to edit Master text styles</a:t>
             </a:r>
           </a:p>
@@ -1545,38 +1548,37 @@
           <a:p>
             <a:pPr lvl="0"/>
             <a:r>
-              <a:rPr lang="en-US" smtClean="0"/>
+              <a:rPr lang="en-US"/>
               <a:t>Click to edit Master text styles</a:t>
             </a:r>
           </a:p>
           <a:p>
             <a:pPr lvl="1"/>
             <a:r>
-              <a:rPr lang="en-US" smtClean="0"/>
+              <a:rPr lang="en-US"/>
               <a:t>Second level</a:t>
             </a:r>
           </a:p>
           <a:p>
             <a:pPr lvl="2"/>
             <a:r>
-              <a:rPr lang="en-US" smtClean="0"/>
+              <a:rPr lang="en-US"/>
               <a:t>Third level</a:t>
             </a:r>
           </a:p>
           <a:p>
             <a:pPr lvl="3"/>
             <a:r>
-              <a:rPr lang="en-US" smtClean="0"/>
+              <a:rPr lang="en-US"/>
               <a:t>Fourth level</a:t>
             </a:r>
           </a:p>
           <a:p>
             <a:pPr lvl="4"/>
             <a:r>
-              <a:rPr lang="en-US" smtClean="0"/>
+              <a:rPr lang="en-US"/>
               <a:t>Fifth level</a:t>
             </a:r>
-            <a:endParaRPr lang="en-US"/>
           </a:p>
         </p:txBody>
       </p:sp>
@@ -1639,7 +1641,7 @@
           <a:p>
             <a:pPr lvl="0"/>
             <a:r>
-              <a:rPr lang="en-US" smtClean="0"/>
+              <a:rPr lang="en-US"/>
               <a:t>Click to edit Master text styles</a:t>
             </a:r>
           </a:p>
@@ -1695,38 +1697,37 @@
           <a:p>
             <a:pPr lvl="0"/>
             <a:r>
-              <a:rPr lang="en-US" smtClean="0"/>
+              <a:rPr lang="en-US"/>
               <a:t>Click to edit Master text styles</a:t>
             </a:r>
           </a:p>
           <a:p>
             <a:pPr lvl="1"/>
             <a:r>
-              <a:rPr lang="en-US" smtClean="0"/>
+              <a:rPr lang="en-US"/>
               <a:t>Second level</a:t>
             </a:r>
           </a:p>
           <a:p>
             <a:pPr lvl="2"/>
             <a:r>
-              <a:rPr lang="en-US" smtClean="0"/>
+              <a:rPr lang="en-US"/>
               <a:t>Third level</a:t>
             </a:r>
           </a:p>
           <a:p>
             <a:pPr lvl="3"/>
             <a:r>
-              <a:rPr lang="en-US" smtClean="0"/>
+              <a:rPr lang="en-US"/>
               <a:t>Fourth level</a:t>
             </a:r>
           </a:p>
           <a:p>
             <a:pPr lvl="4"/>
             <a:r>
-              <a:rPr lang="en-US" smtClean="0"/>
+              <a:rPr lang="en-US"/>
               <a:t>Fifth level</a:t>
             </a:r>
-            <a:endParaRPr lang="en-US"/>
           </a:p>
         </p:txBody>
       </p:sp>
@@ -1748,7 +1749,7 @@
             <a:fld id="{1D8BD707-D9CF-40AE-B4C6-C98DA3205C09}" type="datetimeFigureOut">
               <a:rPr lang="en-US" smtClean="0"/>
               <a:pPr/>
-              <a:t>04-Sep-18</a:t>
+              <a:t>2/17/2021</a:t>
             </a:fld>
             <a:endParaRPr lang="en-US"/>
           </a:p>
@@ -1838,10 +1839,9 @@
           <a:lstStyle/>
           <a:p>
             <a:r>
-              <a:rPr lang="en-US" smtClean="0"/>
+              <a:rPr lang="en-US"/>
               <a:t>Click to edit Master title style</a:t>
             </a:r>
-            <a:endParaRPr lang="en-US"/>
           </a:p>
         </p:txBody>
       </p:sp>
@@ -1863,7 +1863,7 @@
             <a:fld id="{1D8BD707-D9CF-40AE-B4C6-C98DA3205C09}" type="datetimeFigureOut">
               <a:rPr lang="en-US" smtClean="0"/>
               <a:pPr/>
-              <a:t>04-Sep-18</a:t>
+              <a:t>2/17/2021</a:t>
             </a:fld>
             <a:endParaRPr lang="en-US"/>
           </a:p>
@@ -1955,7 +1955,7 @@
             <a:fld id="{1D8BD707-D9CF-40AE-B4C6-C98DA3205C09}" type="datetimeFigureOut">
               <a:rPr lang="en-US" smtClean="0"/>
               <a:pPr/>
-              <a:t>04-Sep-18</a:t>
+              <a:t>2/17/2021</a:t>
             </a:fld>
             <a:endParaRPr lang="en-US"/>
           </a:p>
@@ -2054,10 +2054,9 @@
           </a:lstStyle>
           <a:p>
             <a:r>
-              <a:rPr lang="en-US" smtClean="0"/>
+              <a:rPr lang="en-US"/>
               <a:t>Click to edit Master title style</a:t>
             </a:r>
-            <a:endParaRPr lang="en-US"/>
           </a:p>
         </p:txBody>
       </p:sp>
@@ -2111,38 +2110,37 @@
           <a:p>
             <a:pPr lvl="0"/>
             <a:r>
-              <a:rPr lang="en-US" smtClean="0"/>
+              <a:rPr lang="en-US"/>
               <a:t>Click to edit Master text styles</a:t>
             </a:r>
           </a:p>
           <a:p>
             <a:pPr lvl="1"/>
             <a:r>
-              <a:rPr lang="en-US" smtClean="0"/>
+              <a:rPr lang="en-US"/>
               <a:t>Second level</a:t>
             </a:r>
           </a:p>
           <a:p>
             <a:pPr lvl="2"/>
             <a:r>
-              <a:rPr lang="en-US" smtClean="0"/>
+              <a:rPr lang="en-US"/>
               <a:t>Third level</a:t>
             </a:r>
           </a:p>
           <a:p>
             <a:pPr lvl="3"/>
             <a:r>
-              <a:rPr lang="en-US" smtClean="0"/>
+              <a:rPr lang="en-US"/>
               <a:t>Fourth level</a:t>
             </a:r>
           </a:p>
           <a:p>
             <a:pPr lvl="4"/>
             <a:r>
-              <a:rPr lang="en-US" smtClean="0"/>
+              <a:rPr lang="en-US"/>
               <a:t>Fifth level</a:t>
             </a:r>
-            <a:endParaRPr lang="en-US"/>
           </a:p>
         </p:txBody>
       </p:sp>
@@ -2205,7 +2203,7 @@
           <a:p>
             <a:pPr lvl="0"/>
             <a:r>
-              <a:rPr lang="en-US" smtClean="0"/>
+              <a:rPr lang="en-US"/>
               <a:t>Click to edit Master text styles</a:t>
             </a:r>
           </a:p>
@@ -2229,7 +2227,7 @@
             <a:fld id="{1D8BD707-D9CF-40AE-B4C6-C98DA3205C09}" type="datetimeFigureOut">
               <a:rPr lang="en-US" smtClean="0"/>
               <a:pPr/>
-              <a:t>04-Sep-18</a:t>
+              <a:t>2/17/2021</a:t>
             </a:fld>
             <a:endParaRPr lang="en-US"/>
           </a:p>
@@ -2328,10 +2326,9 @@
           </a:lstStyle>
           <a:p>
             <a:r>
-              <a:rPr lang="en-US" smtClean="0"/>
+              <a:rPr lang="en-US"/>
               <a:t>Click to edit Master title style</a:t>
             </a:r>
-            <a:endParaRPr lang="en-US"/>
           </a:p>
         </p:txBody>
       </p:sp>
@@ -2455,7 +2452,7 @@
           <a:p>
             <a:pPr lvl="0"/>
             <a:r>
-              <a:rPr lang="en-US" smtClean="0"/>
+              <a:rPr lang="en-US"/>
               <a:t>Click to edit Master text styles</a:t>
             </a:r>
           </a:p>
@@ -2479,7 +2476,7 @@
             <a:fld id="{1D8BD707-D9CF-40AE-B4C6-C98DA3205C09}" type="datetimeFigureOut">
               <a:rPr lang="en-US" smtClean="0"/>
               <a:pPr/>
-              <a:t>04-Sep-18</a:t>
+              <a:t>2/17/2021</a:t>
             </a:fld>
             <a:endParaRPr lang="en-US"/>
           </a:p>
@@ -2584,10 +2581,9 @@
           <a:lstStyle/>
           <a:p>
             <a:r>
-              <a:rPr lang="en-US" smtClean="0"/>
+              <a:rPr lang="en-US"/>
               <a:t>Click to edit Master title style</a:t>
             </a:r>
-            <a:endParaRPr lang="en-US"/>
           </a:p>
         </p:txBody>
       </p:sp>
@@ -2618,38 +2614,37 @@
           <a:p>
             <a:pPr lvl="0"/>
             <a:r>
-              <a:rPr lang="en-US" smtClean="0"/>
+              <a:rPr lang="en-US"/>
               <a:t>Click to edit Master text styles</a:t>
             </a:r>
           </a:p>
           <a:p>
             <a:pPr lvl="1"/>
             <a:r>
-              <a:rPr lang="en-US" smtClean="0"/>
+              <a:rPr lang="en-US"/>
               <a:t>Second level</a:t>
             </a:r>
           </a:p>
           <a:p>
             <a:pPr lvl="2"/>
             <a:r>
-              <a:rPr lang="en-US" smtClean="0"/>
+              <a:rPr lang="en-US"/>
               <a:t>Third level</a:t>
             </a:r>
           </a:p>
           <a:p>
             <a:pPr lvl="3"/>
             <a:r>
-              <a:rPr lang="en-US" smtClean="0"/>
+              <a:rPr lang="en-US"/>
               <a:t>Fourth level</a:t>
             </a:r>
           </a:p>
           <a:p>
             <a:pPr lvl="4"/>
             <a:r>
-              <a:rPr lang="en-US" smtClean="0"/>
+              <a:rPr lang="en-US"/>
               <a:t>Fifth level</a:t>
             </a:r>
-            <a:endParaRPr lang="en-US"/>
           </a:p>
         </p:txBody>
       </p:sp>
@@ -2689,7 +2684,7 @@
             <a:fld id="{1D8BD707-D9CF-40AE-B4C6-C98DA3205C09}" type="datetimeFigureOut">
               <a:rPr lang="en-US" smtClean="0"/>
               <a:pPr/>
-              <a:t>04-Sep-18</a:t>
+              <a:t>2/17/2021</a:t>
             </a:fld>
             <a:endParaRPr lang="en-US"/>
           </a:p>
@@ -3114,10 +3109,9 @@
             <a:p>
               <a:pPr algn="ctr"/>
               <a:r>
-                <a:rPr lang="en-US" dirty="0" smtClean="0"/>
+                <a:rPr lang="en-US" dirty="0"/>
                 <a:t>Kotlin_IProvider_200</a:t>
               </a:r>
-              <a:endParaRPr lang="en-US" dirty="0"/>
             </a:p>
           </p:txBody>
         </p:sp>
@@ -3161,10 +3155,9 @@
             <a:p>
               <a:pPr algn="ctr"/>
               <a:r>
-                <a:rPr lang="en-US" dirty="0" smtClean="0"/>
+                <a:rPr lang="en-US" dirty="0"/>
                 <a:t>Kotlin_IProvider_200</a:t>
               </a:r>
-              <a:endParaRPr lang="en-US" dirty="0"/>
             </a:p>
           </p:txBody>
         </p:sp>
@@ -3213,10 +3206,9 @@
             <a:p>
               <a:pPr algn="ctr"/>
               <a:r>
-                <a:rPr lang="en-US" dirty="0" smtClean="0"/>
+                <a:rPr lang="en-US" dirty="0"/>
                 <a:t>Kotlin_Consumer_100</a:t>
               </a:r>
-              <a:endParaRPr lang="en-US" dirty="0"/>
             </a:p>
           </p:txBody>
         </p:sp>
@@ -3265,10 +3257,9 @@
             <a:p>
               <a:pPr algn="ctr"/>
               <a:r>
-                <a:rPr lang="en-US" dirty="0" smtClean="0"/>
+                <a:rPr lang="en-US" dirty="0"/>
                 <a:t>Kotlin_Consumer_220</a:t>
               </a:r>
-              <a:endParaRPr lang="en-US" dirty="0"/>
             </a:p>
           </p:txBody>
         </p:sp>
@@ -3375,10 +3366,9 @@
             <a:lstStyle/>
             <a:p>
               <a:r>
-                <a:rPr lang="en-US" sz="1400" dirty="0" smtClean="0"/>
+                <a:rPr lang="en-US" sz="1400" dirty="0"/>
                 <a:t>RSSL</a:t>
               </a:r>
-              <a:endParaRPr lang="en-US" sz="1400" dirty="0"/>
             </a:p>
           </p:txBody>
         </p:sp>
@@ -3405,10 +3395,9 @@
             <a:lstStyle/>
             <a:p>
               <a:r>
-                <a:rPr lang="en-US" sz="1400" dirty="0" smtClean="0"/>
+                <a:rPr lang="en-US" sz="1400" dirty="0"/>
                 <a:t>RSSL</a:t>
               </a:r>
-              <a:endParaRPr lang="en-US" sz="1400" dirty="0"/>
             </a:p>
           </p:txBody>
         </p:sp>
@@ -3418,13 +3407,6 @@
   <p:clrMapOvr>
     <a:masterClrMapping/>
   </p:clrMapOvr>
-  <p:timing>
-    <p:tnLst>
-      <p:par>
-        <p:cTn id="1" dur="indefinite" restart="never" nodeType="tmRoot"/>
-      </p:par>
-    </p:tnLst>
-  </p:timing>
 </p:sld>
 </file>
 
@@ -3485,10 +3467,9 @@
           <a:p>
             <a:pPr algn="ctr"/>
             <a:r>
-              <a:rPr lang="en-US" dirty="0" smtClean="0"/>
+              <a:rPr lang="en-US" dirty="0"/>
               <a:t>Kotlin_IProvider_200</a:t>
             </a:r>
-            <a:endParaRPr lang="en-US" dirty="0"/>
           </a:p>
         </p:txBody>
       </p:sp>
@@ -3500,7 +3481,7 @@
         </p:nvSpPr>
         <p:spPr>
           <a:xfrm>
-            <a:off x="2819400" y="838200"/>
+            <a:off x="3276600" y="838200"/>
             <a:ext cx="2362200" cy="457200"/>
           </a:xfrm>
           <a:prstGeom prst="rect">
@@ -3532,10 +3513,9 @@
           <a:p>
             <a:pPr algn="ctr"/>
             <a:r>
-              <a:rPr lang="en-US" dirty="0" smtClean="0"/>
+              <a:rPr lang="en-US" dirty="0"/>
               <a:t>Kotlin_IProvider_200</a:t>
             </a:r>
-            <a:endParaRPr lang="en-US" dirty="0"/>
           </a:p>
         </p:txBody>
       </p:sp>
@@ -3584,10 +3564,9 @@
           <a:p>
             <a:pPr algn="ctr"/>
             <a:r>
-              <a:rPr lang="en-US" dirty="0" smtClean="0"/>
+              <a:rPr lang="en-US" dirty="0"/>
               <a:t>Kotlin_Consumer_100</a:t>
             </a:r>
-            <a:endParaRPr lang="en-US" dirty="0"/>
           </a:p>
         </p:txBody>
       </p:sp>
@@ -3599,7 +3578,7 @@
         </p:nvSpPr>
         <p:spPr>
           <a:xfrm>
-            <a:off x="2819400" y="1981200"/>
+            <a:off x="3276600" y="1981200"/>
             <a:ext cx="2362200" cy="457200"/>
           </a:xfrm>
           <a:prstGeom prst="rect">
@@ -3636,30 +3615,170 @@
           <a:p>
             <a:pPr algn="ctr"/>
             <a:r>
-              <a:rPr lang="en-US" dirty="0" smtClean="0"/>
+              <a:rPr lang="en-US" dirty="0"/>
               <a:t>Kotlin_Consumer_220</a:t>
             </a:r>
-            <a:endParaRPr lang="en-US" dirty="0"/>
-          </a:p>
-        </p:txBody>
-      </p:sp>
-      <p:sp>
-        <p:nvSpPr>
-          <p:cNvPr id="8" name="Rectangle 7"/>
-          <p:cNvSpPr/>
+          </a:p>
+        </p:txBody>
+      </p:sp>
+      <p:cxnSp>
+        <p:nvCxnSpPr>
+          <p:cNvPr id="12" name="Straight Arrow Connector 11"/>
+          <p:cNvCxnSpPr>
+            <a:stCxn id="4" idx="2"/>
+            <a:endCxn id="6" idx="0"/>
+          </p:cNvCxnSpPr>
           <p:nvPr/>
-        </p:nvSpPr>
+        </p:nvCxnSpPr>
         <p:spPr>
           <a:xfrm>
-            <a:off x="6172200" y="838200"/>
-            <a:ext cx="2362200" cy="457200"/>
+            <a:off x="1333500" y="1295400"/>
+            <a:ext cx="0" cy="685800"/>
+          </a:xfrm>
+          <a:prstGeom prst="straightConnector1">
+            <a:avLst/>
+          </a:prstGeom>
+          <a:ln w="15875">
+            <a:solidFill>
+              <a:schemeClr val="tx1"/>
+            </a:solidFill>
+            <a:headEnd type="none"/>
+            <a:tailEnd type="arrow"/>
+          </a:ln>
+        </p:spPr>
+        <p:style>
+          <a:lnRef idx="1">
+            <a:schemeClr val="accent1"/>
+          </a:lnRef>
+          <a:fillRef idx="0">
+            <a:schemeClr val="accent1"/>
+          </a:fillRef>
+          <a:effectRef idx="0">
+            <a:schemeClr val="accent1"/>
+          </a:effectRef>
+          <a:fontRef idx="minor">
+            <a:schemeClr val="tx1"/>
+          </a:fontRef>
+        </p:style>
+      </p:cxnSp>
+      <p:cxnSp>
+        <p:nvCxnSpPr>
+          <p:cNvPr id="14" name="Straight Arrow Connector 13"/>
+          <p:cNvCxnSpPr>
+            <a:stCxn id="5" idx="2"/>
+            <a:endCxn id="7" idx="0"/>
+          </p:cNvCxnSpPr>
+          <p:nvPr/>
+        </p:nvCxnSpPr>
+        <p:spPr>
+          <a:xfrm>
+            <a:off x="4457700" y="1295400"/>
+            <a:ext cx="0" cy="685800"/>
+          </a:xfrm>
+          <a:prstGeom prst="straightConnector1">
+            <a:avLst/>
+          </a:prstGeom>
+          <a:ln w="15875">
+            <a:solidFill>
+              <a:schemeClr val="tx1"/>
+            </a:solidFill>
+            <a:headEnd type="none"/>
+            <a:tailEnd type="arrow"/>
+          </a:ln>
+        </p:spPr>
+        <p:style>
+          <a:lnRef idx="1">
+            <a:schemeClr val="accent1"/>
+          </a:lnRef>
+          <a:fillRef idx="0">
+            <a:schemeClr val="accent1"/>
+          </a:fillRef>
+          <a:effectRef idx="0">
+            <a:schemeClr val="accent1"/>
+          </a:effectRef>
+          <a:fontRef idx="minor">
+            <a:schemeClr val="tx1"/>
+          </a:fontRef>
+        </p:style>
+      </p:cxnSp>
+      <p:sp>
+        <p:nvSpPr>
+          <p:cNvPr id="15" name="TextBox 14"/>
+          <p:cNvSpPr txBox="1"/>
+          <p:nvPr/>
+        </p:nvSpPr>
+        <p:spPr>
+          <a:xfrm>
+            <a:off x="1295400" y="1447800"/>
+            <a:ext cx="533400" cy="307777"/>
           </a:xfrm>
           <a:prstGeom prst="rect">
             <a:avLst/>
           </a:prstGeom>
-          <a:solidFill>
-            <a:srgbClr val="00B050"/>
-          </a:solidFill>
+          <a:noFill/>
+        </p:spPr>
+        <p:txBody>
+          <a:bodyPr wrap="square" rtlCol="0">
+            <a:spAutoFit/>
+          </a:bodyPr>
+          <a:lstStyle/>
+          <a:p>
+            <a:r>
+              <a:rPr lang="en-US" sz="1400" dirty="0"/>
+              <a:t>RSSL</a:t>
+            </a:r>
+          </a:p>
+        </p:txBody>
+      </p:sp>
+      <p:sp>
+        <p:nvSpPr>
+          <p:cNvPr id="16" name="TextBox 15"/>
+          <p:cNvSpPr txBox="1"/>
+          <p:nvPr/>
+        </p:nvSpPr>
+        <p:spPr>
+          <a:xfrm>
+            <a:off x="4419600" y="1447800"/>
+            <a:ext cx="533400" cy="307777"/>
+          </a:xfrm>
+          <a:prstGeom prst="rect">
+            <a:avLst/>
+          </a:prstGeom>
+          <a:noFill/>
+        </p:spPr>
+        <p:txBody>
+          <a:bodyPr wrap="square" rtlCol="0">
+            <a:spAutoFit/>
+          </a:bodyPr>
+          <a:lstStyle/>
+          <a:p>
+            <a:r>
+              <a:rPr lang="en-US" sz="1400" dirty="0"/>
+              <a:t>RSSL</a:t>
+            </a:r>
+          </a:p>
+        </p:txBody>
+      </p:sp>
+      <p:sp>
+        <p:nvSpPr>
+          <p:cNvPr id="11" name="Rectangle 10">
+            <a:extLst>
+              <a:ext uri="{FF2B5EF4-FFF2-40B4-BE49-F238E27FC236}">
+                <a16:creationId xmlns:a16="http://schemas.microsoft.com/office/drawing/2014/main" id="{E50A52C1-446B-43BD-9F0B-322A67092262}"/>
+              </a:ext>
+            </a:extLst>
+          </p:cNvPr>
+          <p:cNvSpPr/>
+          <p:nvPr/>
+        </p:nvSpPr>
+        <p:spPr>
+          <a:xfrm>
+            <a:off x="6155436" y="762000"/>
+            <a:ext cx="2362200" cy="533400"/>
+          </a:xfrm>
+          <a:prstGeom prst="rect">
+            <a:avLst/>
+          </a:prstGeom>
           <a:ln>
             <a:noFill/>
           </a:ln>
@@ -3686,23 +3805,28 @@
           <a:p>
             <a:pPr algn="ctr"/>
             <a:r>
-              <a:rPr lang="en-US" dirty="0" smtClean="0"/>
-              <a:t>TREP Infra</a:t>
-            </a:r>
-            <a:endParaRPr lang="en-US" dirty="0"/>
-          </a:p>
-        </p:txBody>
-      </p:sp>
-      <p:sp>
-        <p:nvSpPr>
-          <p:cNvPr id="9" name="Rectangle 8"/>
+              <a:rPr lang="en-US" dirty="0"/>
+              <a:t>Refinitiv Real-Time Distribution System</a:t>
+            </a:r>
+          </a:p>
+        </p:txBody>
+      </p:sp>
+      <p:sp>
+        <p:nvSpPr>
+          <p:cNvPr id="13" name="Rectangle 12">
+            <a:extLst>
+              <a:ext uri="{FF2B5EF4-FFF2-40B4-BE49-F238E27FC236}">
+                <a16:creationId xmlns:a16="http://schemas.microsoft.com/office/drawing/2014/main" id="{AC5BC2FD-E736-424E-894D-4B773EF99E09}"/>
+              </a:ext>
+            </a:extLst>
+          </p:cNvPr>
           <p:cNvSpPr/>
           <p:nvPr/>
         </p:nvSpPr>
         <p:spPr>
           <a:xfrm>
-            <a:off x="5105400" y="2819400"/>
-            <a:ext cx="2362200" cy="457200"/>
+            <a:off x="6155436" y="1981200"/>
+            <a:ext cx="2362200" cy="685800"/>
           </a:xfrm>
           <a:prstGeom prst="rect">
             <a:avLst/>
@@ -3738,77 +3862,104 @@
           <a:p>
             <a:pPr algn="ctr"/>
             <a:r>
-              <a:rPr lang="en-US" dirty="0" smtClean="0"/>
-              <a:t>Kotlin_Consumer_100</a:t>
-            </a:r>
-            <a:endParaRPr lang="en-US" dirty="0"/>
-          </a:p>
-        </p:txBody>
-      </p:sp>
-      <p:sp>
-        <p:nvSpPr>
-          <p:cNvPr id="10" name="Rectangle 9"/>
-          <p:cNvSpPr/>
+              <a:rPr lang="en-US" dirty="0"/>
+              <a:t>Kotlin_Consumer_220/Kotlin_Consumer_100</a:t>
+            </a:r>
+          </a:p>
+        </p:txBody>
+      </p:sp>
+      <p:cxnSp>
+        <p:nvCxnSpPr>
+          <p:cNvPr id="18" name="Straight Arrow Connector 17">
+            <a:extLst>
+              <a:ext uri="{FF2B5EF4-FFF2-40B4-BE49-F238E27FC236}">
+                <a16:creationId xmlns:a16="http://schemas.microsoft.com/office/drawing/2014/main" id="{434FB273-6268-483D-94C2-05DEEF5E1E3E}"/>
+              </a:ext>
+            </a:extLst>
+          </p:cNvPr>
+          <p:cNvCxnSpPr>
+            <a:cxnSpLocks/>
+            <a:stCxn id="11" idx="2"/>
+            <a:endCxn id="13" idx="0"/>
+          </p:cNvCxnSpPr>
           <p:nvPr/>
-        </p:nvSpPr>
+        </p:nvCxnSpPr>
         <p:spPr>
           <a:xfrm>
-            <a:off x="6629400" y="1981200"/>
-            <a:ext cx="2362200" cy="457200"/>
+            <a:off x="7336536" y="1295400"/>
+            <a:ext cx="0" cy="685800"/>
           </a:xfrm>
-          <a:prstGeom prst="rect">
+          <a:prstGeom prst="straightConnector1">
             <a:avLst/>
           </a:prstGeom>
-          <a:solidFill>
-            <a:schemeClr val="accent6">
-              <a:lumMod val="75000"/>
-            </a:schemeClr>
-          </a:solidFill>
-          <a:ln>
-            <a:noFill/>
+          <a:ln w="15875">
+            <a:solidFill>
+              <a:schemeClr val="tx1"/>
+            </a:solidFill>
+            <a:headEnd type="none"/>
+            <a:tailEnd type="arrow"/>
           </a:ln>
         </p:spPr>
         <p:style>
-          <a:lnRef idx="2">
-            <a:schemeClr val="accent1">
-              <a:shade val="50000"/>
-            </a:schemeClr>
+          <a:lnRef idx="1">
+            <a:schemeClr val="accent1"/>
           </a:lnRef>
-          <a:fillRef idx="1">
+          <a:fillRef idx="0">
             <a:schemeClr val="accent1"/>
           </a:fillRef>
           <a:effectRef idx="0">
             <a:schemeClr val="accent1"/>
           </a:effectRef>
           <a:fontRef idx="minor">
-            <a:schemeClr val="lt1"/>
+            <a:schemeClr val="tx1"/>
           </a:fontRef>
         </p:style>
-        <p:txBody>
-          <a:bodyPr rtlCol="0" anchor="ctr"/>
-          <a:lstStyle/>
-          <a:p>
-            <a:pPr algn="ctr"/>
-            <a:r>
-              <a:rPr lang="en-US" dirty="0" smtClean="0"/>
-              <a:t>Kotlin_Consumer_220</a:t>
-            </a:r>
-            <a:endParaRPr lang="en-US" dirty="0"/>
+      </p:cxnSp>
+      <p:sp>
+        <p:nvSpPr>
+          <p:cNvPr id="19" name="TextBox 18">
+            <a:extLst>
+              <a:ext uri="{FF2B5EF4-FFF2-40B4-BE49-F238E27FC236}">
+                <a16:creationId xmlns:a16="http://schemas.microsoft.com/office/drawing/2014/main" id="{F70DD055-1059-4BAD-A756-3ECD70B7538A}"/>
+              </a:ext>
+            </a:extLst>
+          </p:cNvPr>
+          <p:cNvSpPr txBox="1"/>
+          <p:nvPr/>
+        </p:nvSpPr>
+        <p:spPr>
+          <a:xfrm>
+            <a:off x="7298436" y="1447800"/>
+            <a:ext cx="533400" cy="307777"/>
+          </a:xfrm>
+          <a:prstGeom prst="rect">
+            <a:avLst/>
+          </a:prstGeom>
+          <a:noFill/>
+        </p:spPr>
+        <p:txBody>
+          <a:bodyPr wrap="square" rtlCol="0">
+            <a:spAutoFit/>
+          </a:bodyPr>
+          <a:lstStyle/>
+          <a:p>
+            <a:r>
+              <a:rPr lang="en-US" sz="1400" dirty="0"/>
+              <a:t>RSSL</a:t>
+            </a:r>
           </a:p>
         </p:txBody>
       </p:sp>
     </p:spTree>
+    <p:extLst>
+      <p:ext uri="{BB962C8B-B14F-4D97-AF65-F5344CB8AC3E}">
+        <p14:creationId xmlns:p14="http://schemas.microsoft.com/office/powerpoint/2010/main" val="485425384"/>
+      </p:ext>
+    </p:extLst>
   </p:cSld>
   <p:clrMapOvr>
     <a:masterClrMapping/>
   </p:clrMapOvr>
-  <p:timing>
-    <p:tnLst>
-      <p:par>
-        <p:cTn id="1" dur="indefinite" restart="never" nodeType="tmRoot"/>
-      </p:par>
-    </p:tnLst>
-  </p:timing>
 </p:sld>
 </file>
 
